--- a/docs/rest-api-introduction.pptx
+++ b/docs/rest-api-introduction.pptx
@@ -5,10 +5,10 @@
     <p:sldMasterId id="2147483753" r:id="rId4"/>
   </p:sldMasterIdLst>
   <p:notesMasterIdLst>
-    <p:notesMasterId r:id="rId25"/>
+    <p:notesMasterId r:id="rId26"/>
   </p:notesMasterIdLst>
   <p:handoutMasterIdLst>
-    <p:handoutMasterId r:id="rId26"/>
+    <p:handoutMasterId r:id="rId27"/>
   </p:handoutMasterIdLst>
   <p:sldIdLst>
     <p:sldId id="317" r:id="rId5"/>
@@ -27,10 +27,11 @@
     <p:sldId id="892" r:id="rId18"/>
     <p:sldId id="893" r:id="rId19"/>
     <p:sldId id="899" r:id="rId20"/>
-    <p:sldId id="900" r:id="rId21"/>
-    <p:sldId id="901" r:id="rId22"/>
-    <p:sldId id="902" r:id="rId23"/>
-    <p:sldId id="856" r:id="rId24"/>
+    <p:sldId id="903" r:id="rId21"/>
+    <p:sldId id="900" r:id="rId22"/>
+    <p:sldId id="901" r:id="rId23"/>
+    <p:sldId id="902" r:id="rId24"/>
+    <p:sldId id="856" r:id="rId25"/>
   </p:sldIdLst>
   <p:sldSz cx="12192000" cy="6858000"/>
   <p:notesSz cx="7315200" cy="9601200"/>
@@ -624,7 +625,7 @@
           <p:cNvPr id="2" name="Header Placeholder 1">
             <a:extLst>
               <a:ext uri="{FF2B5EF4-FFF2-40B4-BE49-F238E27FC236}">
-                <a16:creationId xmlns="" xmlns:a16="http://schemas.microsoft.com/office/drawing/2014/main" id="{FB109183-6A97-499C-A537-A98260FD926B}"/>
+                <a16:creationId xmlns:a16="http://schemas.microsoft.com/office/drawing/2014/main" xmlns="" id="{FB109183-6A97-499C-A537-A98260FD926B}"/>
               </a:ext>
             </a:extLst>
           </p:cNvPr>
@@ -661,7 +662,7 @@
           <p:cNvPr id="3" name="Date Placeholder 2">
             <a:extLst>
               <a:ext uri="{FF2B5EF4-FFF2-40B4-BE49-F238E27FC236}">
-                <a16:creationId xmlns="" xmlns:a16="http://schemas.microsoft.com/office/drawing/2014/main" id="{8B7B27EE-C43D-48BC-BE7F-8AA923ADF511}"/>
+                <a16:creationId xmlns:a16="http://schemas.microsoft.com/office/drawing/2014/main" xmlns="" id="{8B7B27EE-C43D-48BC-BE7F-8AA923ADF511}"/>
               </a:ext>
             </a:extLst>
           </p:cNvPr>
@@ -691,7 +692,7 @@
           <a:p>
             <a:fld id="{6A4A805B-461C-4670-9402-81E801250286}" type="datetimeFigureOut">
               <a:rPr lang="en-US" smtClean="0"/>
-              <a:t>6/25/2019</a:t>
+              <a:t>9/28/2019</a:t>
             </a:fld>
             <a:endParaRPr lang="en-US"/>
           </a:p>
@@ -702,7 +703,7 @@
           <p:cNvPr id="4" name="Footer Placeholder 3">
             <a:extLst>
               <a:ext uri="{FF2B5EF4-FFF2-40B4-BE49-F238E27FC236}">
-                <a16:creationId xmlns="" xmlns:a16="http://schemas.microsoft.com/office/drawing/2014/main" id="{ECE6E46E-E7C4-451B-8240-39427C18E875}"/>
+                <a16:creationId xmlns:a16="http://schemas.microsoft.com/office/drawing/2014/main" xmlns="" id="{ECE6E46E-E7C4-451B-8240-39427C18E875}"/>
               </a:ext>
             </a:extLst>
           </p:cNvPr>
@@ -739,7 +740,7 @@
           <p:cNvPr id="5" name="Slide Number Placeholder 4">
             <a:extLst>
               <a:ext uri="{FF2B5EF4-FFF2-40B4-BE49-F238E27FC236}">
-                <a16:creationId xmlns="" xmlns:a16="http://schemas.microsoft.com/office/drawing/2014/main" id="{83B97971-52EE-4BDD-A93C-B1B507E4CC55}"/>
+                <a16:creationId xmlns:a16="http://schemas.microsoft.com/office/drawing/2014/main" xmlns="" id="{83B97971-52EE-4BDD-A93C-B1B507E4CC55}"/>
               </a:ext>
             </a:extLst>
           </p:cNvPr>
@@ -940,7 +941,7 @@
           <p:cNvPr id="11" name="Header Placeholder 10">
             <a:extLst>
               <a:ext uri="{FF2B5EF4-FFF2-40B4-BE49-F238E27FC236}">
-                <a16:creationId xmlns="" xmlns:a16="http://schemas.microsoft.com/office/drawing/2014/main" id="{C6085E80-0CA6-429A-827F-050AA72B63D6}"/>
+                <a16:creationId xmlns:a16="http://schemas.microsoft.com/office/drawing/2014/main" xmlns="" id="{C6085E80-0CA6-429A-827F-050AA72B63D6}"/>
               </a:ext>
             </a:extLst>
           </p:cNvPr>
@@ -1160,7 +1161,7 @@
           <p:cNvPr id="5" name="Header Placeholder 10">
             <a:extLst>
               <a:ext uri="{FF2B5EF4-FFF2-40B4-BE49-F238E27FC236}">
-                <a16:creationId xmlns="" xmlns:a16="http://schemas.microsoft.com/office/drawing/2014/main" id="{FF939A78-2FF4-470E-8E9D-B65CE1E86397}"/>
+                <a16:creationId xmlns:a16="http://schemas.microsoft.com/office/drawing/2014/main" xmlns="" id="{FF939A78-2FF4-470E-8E9D-B65CE1E86397}"/>
               </a:ext>
             </a:extLst>
           </p:cNvPr>
@@ -1523,7 +1524,7 @@
           <p:cNvPr id="5" name="TextBox 4">
             <a:extLst>
               <a:ext uri="{FF2B5EF4-FFF2-40B4-BE49-F238E27FC236}">
-                <a16:creationId xmlns="" xmlns:a16="http://schemas.microsoft.com/office/drawing/2014/main" id="{72D58D4C-8C36-4E83-A6D0-5CCDE628C6A1}"/>
+                <a16:creationId xmlns:a16="http://schemas.microsoft.com/office/drawing/2014/main" xmlns="" id="{72D58D4C-8C36-4E83-A6D0-5CCDE628C6A1}"/>
               </a:ext>
             </a:extLst>
           </p:cNvPr>
@@ -1588,7 +1589,7 @@
           <p:cNvPr id="6" name="TextBox 5">
             <a:extLst>
               <a:ext uri="{FF2B5EF4-FFF2-40B4-BE49-F238E27FC236}">
-                <a16:creationId xmlns="" xmlns:a16="http://schemas.microsoft.com/office/drawing/2014/main" id="{59D84138-C5D8-434E-B158-149140D533BE}"/>
+                <a16:creationId xmlns:a16="http://schemas.microsoft.com/office/drawing/2014/main" xmlns="" id="{59D84138-C5D8-434E-B158-149140D533BE}"/>
               </a:ext>
             </a:extLst>
           </p:cNvPr>
@@ -2282,7 +2283,7 @@
           <p:cNvPr id="2" name="Title 1">
             <a:extLst>
               <a:ext uri="{FF2B5EF4-FFF2-40B4-BE49-F238E27FC236}">
-                <a16:creationId xmlns="" xmlns:a16="http://schemas.microsoft.com/office/drawing/2014/main" id="{6F594C3A-647A-4380-8F58-7DACBC37B8D6}"/>
+                <a16:creationId xmlns:a16="http://schemas.microsoft.com/office/drawing/2014/main" xmlns="" id="{6F594C3A-647A-4380-8F58-7DACBC37B8D6}"/>
               </a:ext>
             </a:extLst>
           </p:cNvPr>
@@ -2310,7 +2311,7 @@
           <p:cNvPr id="3" name="TextBox 2">
             <a:extLst>
               <a:ext uri="{FF2B5EF4-FFF2-40B4-BE49-F238E27FC236}">
-                <a16:creationId xmlns="" xmlns:a16="http://schemas.microsoft.com/office/drawing/2014/main" id="{E231ED1D-3304-42EE-8EF4-679A6BE4CBA5}"/>
+                <a16:creationId xmlns:a16="http://schemas.microsoft.com/office/drawing/2014/main" xmlns="" id="{E231ED1D-3304-42EE-8EF4-679A6BE4CBA5}"/>
               </a:ext>
             </a:extLst>
           </p:cNvPr>
@@ -2756,7 +2757,7 @@
           <p:cNvPr id="3" name="Group 2">
             <a:extLst>
               <a:ext uri="{FF2B5EF4-FFF2-40B4-BE49-F238E27FC236}">
-                <a16:creationId xmlns="" xmlns:a16="http://schemas.microsoft.com/office/drawing/2014/main" id="{3AAD6D8B-19E8-4D03-AF4A-2ECBD7219199}"/>
+                <a16:creationId xmlns:a16="http://schemas.microsoft.com/office/drawing/2014/main" xmlns="" id="{3AAD6D8B-19E8-4D03-AF4A-2ECBD7219199}"/>
               </a:ext>
             </a:extLst>
           </p:cNvPr>
@@ -2776,7 +2777,7 @@
             <p:cNvPr id="5" name="Picture 4">
               <a:extLst>
                 <a:ext uri="{FF2B5EF4-FFF2-40B4-BE49-F238E27FC236}">
-                  <a16:creationId xmlns="" xmlns:a16="http://schemas.microsoft.com/office/drawing/2014/main" id="{ACCB7245-0950-4F4D-A2A6-296384195082}"/>
+                  <a16:creationId xmlns:a16="http://schemas.microsoft.com/office/drawing/2014/main" xmlns="" id="{ACCB7245-0950-4F4D-A2A6-296384195082}"/>
                 </a:ext>
               </a:extLst>
             </p:cNvPr>
@@ -2812,7 +2813,7 @@
             <p:cNvPr id="2" name="TextBox 1">
               <a:extLst>
                 <a:ext uri="{FF2B5EF4-FFF2-40B4-BE49-F238E27FC236}">
-                  <a16:creationId xmlns="" xmlns:a16="http://schemas.microsoft.com/office/drawing/2014/main" id="{ABA4263D-8DDB-49FB-AF7F-346C7DC7B3F9}"/>
+                  <a16:creationId xmlns:a16="http://schemas.microsoft.com/office/drawing/2014/main" xmlns="" id="{ABA4263D-8DDB-49FB-AF7F-346C7DC7B3F9}"/>
                 </a:ext>
               </a:extLst>
             </p:cNvPr>
@@ -3368,7 +3369,7 @@
           <p:cNvPr id="5" name="Group 4">
             <a:extLst>
               <a:ext uri="{FF2B5EF4-FFF2-40B4-BE49-F238E27FC236}">
-                <a16:creationId xmlns="" xmlns:a16="http://schemas.microsoft.com/office/drawing/2014/main" id="{90EF4A5C-345F-488C-AC5E-0AF3B8376036}"/>
+                <a16:creationId xmlns:a16="http://schemas.microsoft.com/office/drawing/2014/main" xmlns="" id="{90EF4A5C-345F-488C-AC5E-0AF3B8376036}"/>
               </a:ext>
             </a:extLst>
           </p:cNvPr>
@@ -3388,7 +3389,7 @@
             <p:cNvPr id="7" name="Picture 6">
               <a:extLst>
                 <a:ext uri="{FF2B5EF4-FFF2-40B4-BE49-F238E27FC236}">
-                  <a16:creationId xmlns="" xmlns:a16="http://schemas.microsoft.com/office/drawing/2014/main" id="{CC8E3C5F-48E2-412C-A5AF-F85384D5EE53}"/>
+                  <a16:creationId xmlns:a16="http://schemas.microsoft.com/office/drawing/2014/main" xmlns="" id="{CC8E3C5F-48E2-412C-A5AF-F85384D5EE53}"/>
                 </a:ext>
               </a:extLst>
             </p:cNvPr>
@@ -3424,7 +3425,7 @@
             <p:cNvPr id="8" name="TextBox 7">
               <a:extLst>
                 <a:ext uri="{FF2B5EF4-FFF2-40B4-BE49-F238E27FC236}">
-                  <a16:creationId xmlns="" xmlns:a16="http://schemas.microsoft.com/office/drawing/2014/main" id="{0A9EAD12-9B65-48D0-91A3-85F3DD932746}"/>
+                  <a16:creationId xmlns:a16="http://schemas.microsoft.com/office/drawing/2014/main" xmlns="" id="{0A9EAD12-9B65-48D0-91A3-85F3DD932746}"/>
                 </a:ext>
               </a:extLst>
             </p:cNvPr>
@@ -3646,7 +3647,7 @@
           <p:cNvPr id="7" name="Group 6">
             <a:extLst>
               <a:ext uri="{FF2B5EF4-FFF2-40B4-BE49-F238E27FC236}">
-                <a16:creationId xmlns="" xmlns:a16="http://schemas.microsoft.com/office/drawing/2014/main" id="{97550BA1-B17C-488A-B13B-EAE642576B33}"/>
+                <a16:creationId xmlns:a16="http://schemas.microsoft.com/office/drawing/2014/main" xmlns="" id="{97550BA1-B17C-488A-B13B-EAE642576B33}"/>
               </a:ext>
             </a:extLst>
           </p:cNvPr>
@@ -3666,7 +3667,7 @@
             <p:cNvPr id="8" name="Picture 7">
               <a:extLst>
                 <a:ext uri="{FF2B5EF4-FFF2-40B4-BE49-F238E27FC236}">
-                  <a16:creationId xmlns="" xmlns:a16="http://schemas.microsoft.com/office/drawing/2014/main" id="{26C5F131-CDD3-4833-8C45-E235D5E9F73B}"/>
+                  <a16:creationId xmlns:a16="http://schemas.microsoft.com/office/drawing/2014/main" xmlns="" id="{26C5F131-CDD3-4833-8C45-E235D5E9F73B}"/>
                 </a:ext>
               </a:extLst>
             </p:cNvPr>
@@ -3702,7 +3703,7 @@
             <p:cNvPr id="9" name="TextBox 8">
               <a:extLst>
                 <a:ext uri="{FF2B5EF4-FFF2-40B4-BE49-F238E27FC236}">
-                  <a16:creationId xmlns="" xmlns:a16="http://schemas.microsoft.com/office/drawing/2014/main" id="{9DBC19F9-263B-4FF9-BEAE-41F5BF5689F3}"/>
+                  <a16:creationId xmlns:a16="http://schemas.microsoft.com/office/drawing/2014/main" xmlns="" id="{9DBC19F9-263B-4FF9-BEAE-41F5BF5689F3}"/>
                 </a:ext>
               </a:extLst>
             </p:cNvPr>
@@ -3840,7 +3841,7 @@
           <p:cNvPr id="17" name="Picture 16">
             <a:extLst>
               <a:ext uri="{FF2B5EF4-FFF2-40B4-BE49-F238E27FC236}">
-                <a16:creationId xmlns="" xmlns:a16="http://schemas.microsoft.com/office/drawing/2014/main" id="{14FDA669-E474-4468-AC09-ED6F4A19D7A0}"/>
+                <a16:creationId xmlns:a16="http://schemas.microsoft.com/office/drawing/2014/main" xmlns="" id="{14FDA669-E474-4468-AC09-ED6F4A19D7A0}"/>
               </a:ext>
             </a:extLst>
           </p:cNvPr>
@@ -3876,7 +3877,7 @@
           <p:cNvPr id="18" name="TextBox 17">
             <a:extLst>
               <a:ext uri="{FF2B5EF4-FFF2-40B4-BE49-F238E27FC236}">
-                <a16:creationId xmlns="" xmlns:a16="http://schemas.microsoft.com/office/drawing/2014/main" id="{64B34822-29D0-402A-B058-E76EB9B985CC}"/>
+                <a16:creationId xmlns:a16="http://schemas.microsoft.com/office/drawing/2014/main" xmlns="" id="{64B34822-29D0-402A-B058-E76EB9B985CC}"/>
               </a:ext>
             </a:extLst>
           </p:cNvPr>
@@ -6236,7 +6237,7 @@
           <p:cNvPr id="2" name="Title 1">
             <a:extLst>
               <a:ext uri="{FF2B5EF4-FFF2-40B4-BE49-F238E27FC236}">
-                <a16:creationId xmlns="" xmlns:a16="http://schemas.microsoft.com/office/drawing/2014/main" id="{524C7287-25EE-41A6-A2BD-D98C5ADAF8E3}"/>
+                <a16:creationId xmlns:a16="http://schemas.microsoft.com/office/drawing/2014/main" xmlns="" id="{524C7287-25EE-41A6-A2BD-D98C5ADAF8E3}"/>
               </a:ext>
             </a:extLst>
           </p:cNvPr>
@@ -6269,7 +6270,7 @@
           <p:cNvPr id="3" name="Text Placeholder 2">
             <a:extLst>
               <a:ext uri="{FF2B5EF4-FFF2-40B4-BE49-F238E27FC236}">
-                <a16:creationId xmlns="" xmlns:a16="http://schemas.microsoft.com/office/drawing/2014/main" id="{23457379-948D-4845-B8BA-5CF9B789DD1A}"/>
+                <a16:creationId xmlns:a16="http://schemas.microsoft.com/office/drawing/2014/main" xmlns="" id="{23457379-948D-4845-B8BA-5CF9B789DD1A}"/>
               </a:ext>
             </a:extLst>
           </p:cNvPr>
@@ -7020,7 +7021,7 @@
           <a:bodyPr/>
           <a:lstStyle/>
           <a:p>
-            <a:endParaRPr lang="en-US"/>
+            <a:endParaRPr lang="en-US" dirty="0"/>
           </a:p>
         </p:txBody>
       </p:sp>
@@ -7513,7 +7514,7 @@
         <p:spPr>
           <a:xfrm>
             <a:off x="269239" y="1189177"/>
-            <a:ext cx="11653523" cy="5591274"/>
+            <a:ext cx="11653523" cy="5811847"/>
           </a:xfrm>
         </p:spPr>
         <p:txBody>
@@ -7606,8 +7607,62 @@
                   <a:srgbClr val="0C1937"/>
                 </a:solidFill>
               </a:rPr>
-              <a:t>ASP.NET Core Health Checks</a:t>
-            </a:r>
+              <a:t>ASP.NET Core Health </a:t>
+            </a:r>
+            <a:r>
+              <a:rPr lang="sr-Latn-BA" sz="2800" spc="-1" dirty="0" smtClean="0">
+                <a:solidFill>
+                  <a:srgbClr val="0C1937"/>
+                </a:solidFill>
+              </a:rPr>
+              <a:t>Checks</a:t>
+            </a:r>
+            <a:endParaRPr lang="en-US" sz="2800" spc="-1" dirty="0" smtClean="0">
+              <a:solidFill>
+                <a:srgbClr val="0C1937"/>
+              </a:solidFill>
+            </a:endParaRPr>
+          </a:p>
+          <a:p>
+            <a:pPr marL="579446" lvl="1" indent="-342900">
+              <a:lnSpc>
+                <a:spcPct val="100000"/>
+              </a:lnSpc>
+              <a:spcBef>
+                <a:spcPts val="1001"/>
+              </a:spcBef>
+            </a:pPr>
+            <a:r>
+              <a:rPr lang="sr-Latn-BA" sz="1800" spc="-1" dirty="0">
+                <a:solidFill>
+                  <a:srgbClr val="0C1937"/>
+                </a:solidFill>
+                <a:hlinkClick r:id="rId2"/>
+              </a:rPr>
+              <a:t>https://github.com/Xabaril/AspNetCore.Diagnostics.HealthChecks</a:t>
+            </a:r>
+            <a:r>
+              <a:rPr lang="sr-Latn-BA" sz="1800" spc="-1" dirty="0" smtClean="0">
+                <a:solidFill>
+                  <a:srgbClr val="0C1937"/>
+                </a:solidFill>
+                <a:hlinkClick r:id="rId2"/>
+              </a:rPr>
+              <a:t>/</a:t>
+            </a:r>
+            <a:r>
+              <a:rPr lang="en-US" sz="1800" spc="-1" dirty="0" smtClean="0">
+                <a:solidFill>
+                  <a:srgbClr val="0C1937"/>
+                </a:solidFill>
+              </a:rPr>
+              <a:t> </a:t>
+            </a:r>
+            <a:endParaRPr lang="sr-Latn-BA" sz="1232" spc="-1" dirty="0">
+              <a:solidFill>
+                <a:srgbClr val="0C1937"/>
+              </a:solidFill>
+            </a:endParaRPr>
           </a:p>
           <a:p>
             <a:pPr marL="342900" indent="-342900">
@@ -7641,7 +7696,7 @@
                 <a:solidFill>
                   <a:srgbClr val="0C1937"/>
                 </a:solidFill>
-                <a:hlinkClick r:id="rId2"/>
+                <a:hlinkClick r:id="rId3"/>
               </a:rPr>
               <a:t>https://newrelic.com</a:t>
             </a:r>
@@ -7650,7 +7705,7 @@
                 <a:solidFill>
                   <a:srgbClr val="0C1937"/>
                 </a:solidFill>
-                <a:hlinkClick r:id="rId2"/>
+                <a:hlinkClick r:id="rId3"/>
               </a:rPr>
               <a:t>/</a:t>
             </a:r>
@@ -7682,7 +7737,7 @@
                 <a:solidFill>
                   <a:srgbClr val="0C1937"/>
                 </a:solidFill>
-                <a:hlinkClick r:id="rId3"/>
+                <a:hlinkClick r:id="rId4"/>
               </a:rPr>
               <a:t>https://stackify.com</a:t>
             </a:r>
@@ -7691,7 +7746,7 @@
                 <a:solidFill>
                   <a:srgbClr val="0C1937"/>
                 </a:solidFill>
-                <a:hlinkClick r:id="rId3"/>
+                <a:hlinkClick r:id="rId4"/>
               </a:rPr>
               <a:t>/</a:t>
             </a:r>
@@ -7723,7 +7778,7 @@
                 <a:solidFill>
                   <a:srgbClr val="0C1937"/>
                 </a:solidFill>
-                <a:hlinkClick r:id="rId4"/>
+                <a:hlinkClick r:id="rId5"/>
               </a:rPr>
               <a:t>https://www.monitis.com</a:t>
             </a:r>
@@ -7732,7 +7787,7 @@
                 <a:solidFill>
                   <a:srgbClr val="0C1937"/>
                 </a:solidFill>
-                <a:hlinkClick r:id="rId4"/>
+                <a:hlinkClick r:id="rId5"/>
               </a:rPr>
               <a:t>/</a:t>
             </a:r>
@@ -7764,7 +7819,7 @@
                 <a:solidFill>
                   <a:srgbClr val="0C1937"/>
                 </a:solidFill>
-                <a:hlinkClick r:id="rId5"/>
+                <a:hlinkClick r:id="rId6"/>
               </a:rPr>
               <a:t>https://www.runscope.com</a:t>
             </a:r>
@@ -7773,7 +7828,7 @@
                 <a:solidFill>
                   <a:srgbClr val="0C1937"/>
                 </a:solidFill>
-                <a:hlinkClick r:id="rId5"/>
+                <a:hlinkClick r:id="rId6"/>
               </a:rPr>
               <a:t>/</a:t>
             </a:r>
@@ -7977,6 +8032,399 @@
       </p:grpSpPr>
       <p:sp>
         <p:nvSpPr>
+          <p:cNvPr id="2" name="Text Placeholder 1"/>
+          <p:cNvSpPr>
+            <a:spLocks noGrp="1"/>
+          </p:cNvSpPr>
+          <p:nvPr>
+            <p:ph type="body" sz="quarter" idx="10"/>
+          </p:nvPr>
+        </p:nvSpPr>
+        <p:spPr/>
+        <p:txBody>
+          <a:bodyPr/>
+          <a:lstStyle/>
+          <a:p>
+            <a:endParaRPr lang="en-US"/>
+          </a:p>
+        </p:txBody>
+      </p:sp>
+      <p:sp>
+        <p:nvSpPr>
+          <p:cNvPr id="3" name="Title 2"/>
+          <p:cNvSpPr>
+            <a:spLocks noGrp="1"/>
+          </p:cNvSpPr>
+          <p:nvPr>
+            <p:ph type="title"/>
+          </p:nvPr>
+        </p:nvSpPr>
+        <p:spPr/>
+        <p:txBody>
+          <a:bodyPr/>
+          <a:lstStyle/>
+          <a:p>
+            <a:r>
+              <a:rPr lang="en-US" dirty="0" smtClean="0"/>
+              <a:t>API Gateways</a:t>
+            </a:r>
+            <a:endParaRPr lang="en-US" dirty="0"/>
+          </a:p>
+        </p:txBody>
+      </p:sp>
+      <p:pic>
+        <p:nvPicPr>
+          <p:cNvPr id="5" name="Picture 4"/>
+          <p:cNvPicPr>
+            <a:picLocks noChangeAspect="1"/>
+          </p:cNvPicPr>
+          <p:nvPr/>
+        </p:nvPicPr>
+        <p:blipFill>
+          <a:blip r:embed="rId2">
+            <a:extLst>
+              <a:ext uri="{28A0092B-C50C-407E-A947-70E740481C1C}">
+                <a14:useLocalDpi xmlns:a14="http://schemas.microsoft.com/office/drawing/2010/main" val="0"/>
+              </a:ext>
+            </a:extLst>
+          </a:blip>
+          <a:stretch>
+            <a:fillRect/>
+          </a:stretch>
+        </p:blipFill>
+        <p:spPr>
+          <a:xfrm>
+            <a:off x="2970670" y="1988258"/>
+            <a:ext cx="1735004" cy="2052031"/>
+          </a:xfrm>
+          <a:prstGeom prst="rect">
+            <a:avLst/>
+          </a:prstGeom>
+        </p:spPr>
+      </p:pic>
+      <p:pic>
+        <p:nvPicPr>
+          <p:cNvPr id="7" name="Picture 6"/>
+          <p:cNvPicPr>
+            <a:picLocks noChangeAspect="1"/>
+          </p:cNvPicPr>
+          <p:nvPr/>
+        </p:nvPicPr>
+        <p:blipFill>
+          <a:blip r:embed="rId3" cstate="print">
+            <a:extLst>
+              <a:ext uri="{28A0092B-C50C-407E-A947-70E740481C1C}">
+                <a14:useLocalDpi xmlns:a14="http://schemas.microsoft.com/office/drawing/2010/main" val="0"/>
+              </a:ext>
+            </a:extLst>
+          </a:blip>
+          <a:stretch>
+            <a:fillRect/>
+          </a:stretch>
+        </p:blipFill>
+        <p:spPr>
+          <a:xfrm>
+            <a:off x="8296716" y="694370"/>
+            <a:ext cx="2054267" cy="1729693"/>
+          </a:xfrm>
+          <a:prstGeom prst="rect">
+            <a:avLst/>
+          </a:prstGeom>
+        </p:spPr>
+      </p:pic>
+      <p:pic>
+        <p:nvPicPr>
+          <p:cNvPr id="8" name="Picture 7"/>
+          <p:cNvPicPr>
+            <a:picLocks noChangeAspect="1"/>
+          </p:cNvPicPr>
+          <p:nvPr/>
+        </p:nvPicPr>
+        <p:blipFill>
+          <a:blip r:embed="rId4" cstate="print">
+            <a:extLst>
+              <a:ext uri="{28A0092B-C50C-407E-A947-70E740481C1C}">
+                <a14:useLocalDpi xmlns:a14="http://schemas.microsoft.com/office/drawing/2010/main" val="0"/>
+              </a:ext>
+            </a:extLst>
+          </a:blip>
+          <a:stretch>
+            <a:fillRect/>
+          </a:stretch>
+        </p:blipFill>
+        <p:spPr>
+          <a:xfrm>
+            <a:off x="6724937" y="3014273"/>
+            <a:ext cx="5197824" cy="3219061"/>
+          </a:xfrm>
+          <a:prstGeom prst="rect">
+            <a:avLst/>
+          </a:prstGeom>
+        </p:spPr>
+      </p:pic>
+      <p:sp>
+        <p:nvSpPr>
+          <p:cNvPr id="9" name="Rectangle 8"/>
+          <p:cNvSpPr/>
+          <p:nvPr/>
+        </p:nvSpPr>
+        <p:spPr>
+          <a:xfrm>
+            <a:off x="266921" y="1189175"/>
+            <a:ext cx="6096000" cy="4339650"/>
+          </a:xfrm>
+          <a:prstGeom prst="rect">
+            <a:avLst/>
+          </a:prstGeom>
+        </p:spPr>
+        <p:txBody>
+          <a:bodyPr>
+            <a:spAutoFit/>
+          </a:bodyPr>
+          <a:lstStyle/>
+          <a:p>
+            <a:r>
+              <a:rPr lang="en-US" sz="2400" dirty="0" smtClean="0"/>
+              <a:t>Features</a:t>
+            </a:r>
+          </a:p>
+          <a:p>
+            <a:pPr>
+              <a:buFont typeface="Arial" panose="020B0604020202020204" pitchFamily="34" charset="0"/>
+              <a:buChar char="•"/>
+            </a:pPr>
+            <a:r>
+              <a:rPr lang="en-US" sz="1400" dirty="0" smtClean="0"/>
+              <a:t>Routing</a:t>
+            </a:r>
+            <a:endParaRPr lang="en-US" sz="1400" dirty="0"/>
+          </a:p>
+          <a:p>
+            <a:pPr>
+              <a:buFont typeface="Arial" panose="020B0604020202020204" pitchFamily="34" charset="0"/>
+              <a:buChar char="•"/>
+            </a:pPr>
+            <a:r>
+              <a:rPr lang="en-US" sz="1400" dirty="0"/>
+              <a:t>Request Aggregation</a:t>
+            </a:r>
+          </a:p>
+          <a:p>
+            <a:pPr>
+              <a:buFont typeface="Arial" panose="020B0604020202020204" pitchFamily="34" charset="0"/>
+              <a:buChar char="•"/>
+            </a:pPr>
+            <a:r>
+              <a:rPr lang="en-US" sz="1400" dirty="0"/>
+              <a:t>Service Discovery with </a:t>
+            </a:r>
+            <a:r>
+              <a:rPr lang="en-US" sz="1400" dirty="0" smtClean="0"/>
+              <a:t/>
+            </a:r>
+            <a:br>
+              <a:rPr lang="en-US" sz="1400" dirty="0" smtClean="0"/>
+            </a:br>
+            <a:r>
+              <a:rPr lang="en-US" sz="1400" dirty="0" smtClean="0"/>
+              <a:t>  Consul </a:t>
+            </a:r>
+            <a:r>
+              <a:rPr lang="en-US" sz="1400" dirty="0"/>
+              <a:t>&amp; Eureka</a:t>
+            </a:r>
+          </a:p>
+          <a:p>
+            <a:pPr>
+              <a:buFont typeface="Arial" panose="020B0604020202020204" pitchFamily="34" charset="0"/>
+              <a:buChar char="•"/>
+            </a:pPr>
+            <a:r>
+              <a:rPr lang="en-US" sz="1400" dirty="0"/>
+              <a:t>Service Fabric</a:t>
+            </a:r>
+          </a:p>
+          <a:p>
+            <a:pPr>
+              <a:buFont typeface="Arial" panose="020B0604020202020204" pitchFamily="34" charset="0"/>
+              <a:buChar char="•"/>
+            </a:pPr>
+            <a:r>
+              <a:rPr lang="en-US" sz="1400" dirty="0"/>
+              <a:t>Kubernetes</a:t>
+            </a:r>
+          </a:p>
+          <a:p>
+            <a:pPr>
+              <a:buFont typeface="Arial" panose="020B0604020202020204" pitchFamily="34" charset="0"/>
+              <a:buChar char="•"/>
+            </a:pPr>
+            <a:r>
+              <a:rPr lang="en-US" sz="1400" dirty="0" err="1"/>
+              <a:t>WebSockets</a:t>
+            </a:r>
+            <a:endParaRPr lang="en-US" sz="1400" dirty="0"/>
+          </a:p>
+          <a:p>
+            <a:pPr>
+              <a:buFont typeface="Arial" panose="020B0604020202020204" pitchFamily="34" charset="0"/>
+              <a:buChar char="•"/>
+            </a:pPr>
+            <a:r>
+              <a:rPr lang="en-US" sz="1400" dirty="0"/>
+              <a:t>Authentication</a:t>
+            </a:r>
+          </a:p>
+          <a:p>
+            <a:pPr>
+              <a:buFont typeface="Arial" panose="020B0604020202020204" pitchFamily="34" charset="0"/>
+              <a:buChar char="•"/>
+            </a:pPr>
+            <a:r>
+              <a:rPr lang="en-US" sz="1400" dirty="0" err="1"/>
+              <a:t>Authorisation</a:t>
+            </a:r>
+            <a:endParaRPr lang="en-US" sz="1400" dirty="0"/>
+          </a:p>
+          <a:p>
+            <a:pPr>
+              <a:buFont typeface="Arial" panose="020B0604020202020204" pitchFamily="34" charset="0"/>
+              <a:buChar char="•"/>
+            </a:pPr>
+            <a:r>
+              <a:rPr lang="en-US" sz="1400" dirty="0"/>
+              <a:t>Rate Limiting</a:t>
+            </a:r>
+          </a:p>
+          <a:p>
+            <a:pPr>
+              <a:buFont typeface="Arial" panose="020B0604020202020204" pitchFamily="34" charset="0"/>
+              <a:buChar char="•"/>
+            </a:pPr>
+            <a:r>
+              <a:rPr lang="en-US" sz="1400" dirty="0"/>
+              <a:t>Caching</a:t>
+            </a:r>
+          </a:p>
+          <a:p>
+            <a:pPr>
+              <a:buFont typeface="Arial" panose="020B0604020202020204" pitchFamily="34" charset="0"/>
+              <a:buChar char="•"/>
+            </a:pPr>
+            <a:r>
+              <a:rPr lang="en-US" sz="1400" dirty="0"/>
+              <a:t>Retry policies / </a:t>
+            </a:r>
+            <a:r>
+              <a:rPr lang="en-US" sz="1400" dirty="0" err="1"/>
+              <a:t>QoS</a:t>
+            </a:r>
+            <a:endParaRPr lang="en-US" sz="1400" dirty="0"/>
+          </a:p>
+          <a:p>
+            <a:pPr>
+              <a:buFont typeface="Arial" panose="020B0604020202020204" pitchFamily="34" charset="0"/>
+              <a:buChar char="•"/>
+            </a:pPr>
+            <a:r>
+              <a:rPr lang="en-US" sz="1400" dirty="0"/>
+              <a:t>Load Balancing</a:t>
+            </a:r>
+          </a:p>
+          <a:p>
+            <a:pPr>
+              <a:buFont typeface="Arial" panose="020B0604020202020204" pitchFamily="34" charset="0"/>
+              <a:buChar char="•"/>
+            </a:pPr>
+            <a:r>
+              <a:rPr lang="en-US" sz="1400" dirty="0"/>
+              <a:t>Logging / Tracing / Correlation</a:t>
+            </a:r>
+          </a:p>
+          <a:p>
+            <a:pPr>
+              <a:buFont typeface="Arial" panose="020B0604020202020204" pitchFamily="34" charset="0"/>
+              <a:buChar char="•"/>
+            </a:pPr>
+            <a:r>
+              <a:rPr lang="en-US" sz="1400" dirty="0"/>
+              <a:t>Headers / Query String / Claims Transformation</a:t>
+            </a:r>
+          </a:p>
+          <a:p>
+            <a:pPr>
+              <a:buFont typeface="Arial" panose="020B0604020202020204" pitchFamily="34" charset="0"/>
+              <a:buChar char="•"/>
+            </a:pPr>
+            <a:r>
+              <a:rPr lang="en-US" sz="1400" dirty="0"/>
+              <a:t>Custom Middleware / Delegating Handlers</a:t>
+            </a:r>
+          </a:p>
+          <a:p>
+            <a:pPr>
+              <a:buFont typeface="Arial" panose="020B0604020202020204" pitchFamily="34" charset="0"/>
+              <a:buChar char="•"/>
+            </a:pPr>
+            <a:r>
+              <a:rPr lang="en-US" sz="1400" dirty="0"/>
+              <a:t>Configuration / Administration REST API</a:t>
+            </a:r>
+          </a:p>
+          <a:p>
+            <a:pPr>
+              <a:buFont typeface="Arial" panose="020B0604020202020204" pitchFamily="34" charset="0"/>
+              <a:buChar char="•"/>
+            </a:pPr>
+            <a:r>
+              <a:rPr lang="en-US" sz="1400" dirty="0"/>
+              <a:t>Platform / Cloud Agnostic</a:t>
+            </a:r>
+          </a:p>
+        </p:txBody>
+      </p:sp>
+    </p:spTree>
+    <p:extLst>
+      <p:ext uri="{BB962C8B-B14F-4D97-AF65-F5344CB8AC3E}">
+        <p14:creationId xmlns:p14="http://schemas.microsoft.com/office/powerpoint/2010/main" val="669620352"/>
+      </p:ext>
+    </p:extLst>
+  </p:cSld>
+  <p:clrMapOvr>
+    <a:masterClrMapping/>
+  </p:clrMapOvr>
+  <p:transition>
+    <p:fade/>
+  </p:transition>
+  <p:timing>
+    <p:tnLst>
+      <p:par>
+        <p:cTn id="1" dur="indefinite" restart="never" nodeType="tmRoot"/>
+      </p:par>
+    </p:tnLst>
+  </p:timing>
+</p:sld>
+</file>
+
+<file path=ppt/slides/slide18.xml><?xml version="1.0" encoding="utf-8"?>
+<p:sld xmlns:a="http://schemas.openxmlformats.org/drawingml/2006/main" xmlns:r="http://schemas.openxmlformats.org/officeDocument/2006/relationships" xmlns:p="http://schemas.openxmlformats.org/presentationml/2006/main">
+  <p:cSld>
+    <p:spTree>
+      <p:nvGrpSpPr>
+        <p:cNvPr id="1" name=""/>
+        <p:cNvGrpSpPr/>
+        <p:nvPr/>
+      </p:nvGrpSpPr>
+      <p:grpSpPr>
+        <a:xfrm>
+          <a:off x="0" y="0"/>
+          <a:ext cx="0" cy="0"/>
+          <a:chOff x="0" y="0"/>
+          <a:chExt cx="0" cy="0"/>
+        </a:xfrm>
+      </p:grpSpPr>
+      <p:sp>
+        <p:nvSpPr>
           <p:cNvPr id="4" name="Title 3"/>
           <p:cNvSpPr>
             <a:spLocks noGrp="1"/>
@@ -8039,10 +8487,17 @@
       </p:transition>
     </mc:Fallback>
   </mc:AlternateContent>
+  <p:timing>
+    <p:tnLst>
+      <p:par>
+        <p:cTn id="1" dur="indefinite" restart="never" nodeType="tmRoot"/>
+      </p:par>
+    </p:tnLst>
+  </p:timing>
 </p:sld>
 </file>
 
-<file path=ppt/slides/slide18.xml><?xml version="1.0" encoding="utf-8"?>
+<file path=ppt/slides/slide19.xml><?xml version="1.0" encoding="utf-8"?>
 <p:sld xmlns:a="http://schemas.openxmlformats.org/drawingml/2006/main" xmlns:r="http://schemas.openxmlformats.org/officeDocument/2006/relationships" xmlns:p="http://schemas.openxmlformats.org/presentationml/2006/main">
   <p:cSld>
     <p:spTree>
@@ -8072,7 +8527,7 @@
         <p:spPr>
           <a:xfrm>
             <a:off x="269239" y="1189177"/>
-            <a:ext cx="11653523" cy="5373651"/>
+            <a:ext cx="11653523" cy="5775684"/>
           </a:xfrm>
         </p:spPr>
         <p:txBody>
@@ -8080,52 +8535,58 @@
           <a:lstStyle/>
           <a:p>
             <a:r>
-              <a:rPr lang="en-US" dirty="0"/>
+              <a:rPr lang="en-US" sz="3600" dirty="0"/>
               <a:t>Basics – REST, ASP.NET Core</a:t>
             </a:r>
           </a:p>
           <a:p>
             <a:r>
-              <a:rPr lang="en-US" dirty="0"/>
+              <a:rPr lang="en-US" sz="3600" dirty="0"/>
               <a:t>Best practices</a:t>
             </a:r>
           </a:p>
           <a:p>
             <a:r>
-              <a:rPr lang="en-US" dirty="0"/>
+              <a:rPr lang="en-US" sz="3600" dirty="0"/>
               <a:t>Security</a:t>
             </a:r>
           </a:p>
           <a:p>
             <a:r>
-              <a:rPr lang="en-US" dirty="0"/>
+              <a:rPr lang="en-US" sz="3600" dirty="0"/>
               <a:t>Testing</a:t>
             </a:r>
           </a:p>
           <a:p>
             <a:r>
-              <a:rPr lang="en-US" dirty="0"/>
+              <a:rPr lang="en-US" sz="3600" dirty="0"/>
               <a:t>Documentation</a:t>
             </a:r>
           </a:p>
           <a:p>
             <a:r>
-              <a:rPr lang="en-US" dirty="0"/>
+              <a:rPr lang="en-US" sz="3600" dirty="0"/>
               <a:t>Limiting</a:t>
             </a:r>
           </a:p>
           <a:p>
             <a:r>
-              <a:rPr lang="en-US" dirty="0"/>
+              <a:rPr lang="en-US" sz="3600" dirty="0"/>
               <a:t>Versioning</a:t>
             </a:r>
           </a:p>
           <a:p>
             <a:r>
-              <a:rPr lang="en-US" dirty="0" smtClean="0"/>
+              <a:rPr lang="en-US" sz="3600" dirty="0" smtClean="0"/>
               <a:t>Monitoring</a:t>
             </a:r>
-            <a:endParaRPr lang="en-US" dirty="0"/>
+          </a:p>
+          <a:p>
+            <a:r>
+              <a:rPr lang="en-US" sz="3600" dirty="0" smtClean="0"/>
+              <a:t>API Gateways</a:t>
+            </a:r>
+            <a:endParaRPr lang="en-US" sz="3600" dirty="0"/>
           </a:p>
         </p:txBody>
       </p:sp>
@@ -8156,308 +8617,6 @@
     <p:extLst>
       <p:ext uri="{BB962C8B-B14F-4D97-AF65-F5344CB8AC3E}">
         <p14:creationId xmlns:p14="http://schemas.microsoft.com/office/powerpoint/2010/main" val="1887452222"/>
-      </p:ext>
-    </p:extLst>
-  </p:cSld>
-  <p:clrMapOvr>
-    <a:masterClrMapping/>
-  </p:clrMapOvr>
-  <p:transition>
-    <p:fade/>
-  </p:transition>
-</p:sld>
-</file>
-
-<file path=ppt/slides/slide19.xml><?xml version="1.0" encoding="utf-8"?>
-<p:sld xmlns:a="http://schemas.openxmlformats.org/drawingml/2006/main" xmlns:r="http://schemas.openxmlformats.org/officeDocument/2006/relationships" xmlns:p="http://schemas.openxmlformats.org/presentationml/2006/main">
-  <p:cSld>
-    <p:spTree>
-      <p:nvGrpSpPr>
-        <p:cNvPr id="1" name=""/>
-        <p:cNvGrpSpPr/>
-        <p:nvPr/>
-      </p:nvGrpSpPr>
-      <p:grpSpPr>
-        <a:xfrm>
-          <a:off x="0" y="0"/>
-          <a:ext cx="0" cy="0"/>
-          <a:chOff x="0" y="0"/>
-          <a:chExt cx="0" cy="0"/>
-        </a:xfrm>
-      </p:grpSpPr>
-      <p:sp>
-        <p:nvSpPr>
-          <p:cNvPr id="2" name="Text Placeholder 1"/>
-          <p:cNvSpPr>
-            <a:spLocks noGrp="1"/>
-          </p:cNvSpPr>
-          <p:nvPr>
-            <p:ph type="body" sz="quarter" idx="10"/>
-          </p:nvPr>
-        </p:nvSpPr>
-        <p:spPr>
-          <a:xfrm>
-            <a:off x="269239" y="1189177"/>
-            <a:ext cx="11653523" cy="5639364"/>
-          </a:xfrm>
-        </p:spPr>
-        <p:txBody>
-          <a:bodyPr/>
-          <a:lstStyle/>
-          <a:p>
-            <a:r>
-              <a:rPr lang="en-US" dirty="0">
-                <a:hlinkClick r:id="rId2"/>
-              </a:rPr>
-              <a:t>https://</a:t>
-            </a:r>
-            <a:r>
-              <a:rPr lang="en-US" dirty="0" smtClean="0">
-                <a:hlinkClick r:id="rId2"/>
-              </a:rPr>
-              <a:t>github.com/microsoft/api-guidelines</a:t>
-            </a:r>
-            <a:r>
-              <a:rPr lang="en-US" dirty="0" smtClean="0"/>
-              <a:t> </a:t>
-            </a:r>
-            <a:endParaRPr lang="en-US" dirty="0"/>
-          </a:p>
-          <a:p>
-            <a:r>
-              <a:rPr lang="en-US" dirty="0"/>
-              <a:t>Specifications</a:t>
-            </a:r>
-          </a:p>
-          <a:p>
-            <a:pPr lvl="1"/>
-            <a:r>
-              <a:rPr lang="en-US" dirty="0"/>
-              <a:t>HATEOAS – Hypermedia as the Engine of Application State</a:t>
-            </a:r>
-          </a:p>
-          <a:p>
-            <a:pPr lvl="1"/>
-            <a:r>
-              <a:rPr lang="en-US" dirty="0">
-                <a:hlinkClick r:id="rId3"/>
-              </a:rPr>
-              <a:t>https://ionwg.org</a:t>
-            </a:r>
-            <a:r>
-              <a:rPr lang="en-US" dirty="0" smtClean="0">
-                <a:hlinkClick r:id="rId3"/>
-              </a:rPr>
-              <a:t>/</a:t>
-            </a:r>
-            <a:r>
-              <a:rPr lang="en-US" dirty="0" smtClean="0"/>
-              <a:t> - </a:t>
-            </a:r>
-            <a:r>
-              <a:rPr lang="en-US" dirty="0"/>
-              <a:t>The ION Hypermedia Type</a:t>
-            </a:r>
-          </a:p>
-          <a:p>
-            <a:pPr lvl="1"/>
-            <a:r>
-              <a:rPr lang="en-US" dirty="0">
-                <a:hlinkClick r:id="rId4"/>
-              </a:rPr>
-              <a:t>http://jsonapi.org</a:t>
-            </a:r>
-            <a:r>
-              <a:rPr lang="en-US" dirty="0" smtClean="0">
-                <a:hlinkClick r:id="rId4"/>
-              </a:rPr>
-              <a:t>/</a:t>
-            </a:r>
-            <a:r>
-              <a:rPr lang="en-US" dirty="0" smtClean="0"/>
-              <a:t> - </a:t>
-            </a:r>
-            <a:r>
-              <a:rPr lang="en-US" dirty="0"/>
-              <a:t>JSON API Specification</a:t>
-            </a:r>
-          </a:p>
-          <a:p>
-            <a:pPr lvl="1"/>
-            <a:r>
-              <a:rPr lang="en-US" dirty="0">
-                <a:hlinkClick r:id="rId5"/>
-              </a:rPr>
-              <a:t>http://json-schema.org</a:t>
-            </a:r>
-            <a:r>
-              <a:rPr lang="en-US" dirty="0" smtClean="0">
-                <a:hlinkClick r:id="rId5"/>
-              </a:rPr>
-              <a:t>/</a:t>
-            </a:r>
-            <a:r>
-              <a:rPr lang="en-US" dirty="0" smtClean="0"/>
-              <a:t> - </a:t>
-            </a:r>
-            <a:r>
-              <a:rPr lang="en-US" dirty="0"/>
-              <a:t>JSON (Hyper-)Schema...</a:t>
-            </a:r>
-          </a:p>
-          <a:p>
-            <a:pPr lvl="1"/>
-            <a:r>
-              <a:rPr lang="en-US" dirty="0">
-                <a:hlinkClick r:id="rId6"/>
-              </a:rPr>
-              <a:t>http://graphql.org</a:t>
-            </a:r>
-            <a:r>
-              <a:rPr lang="en-US" dirty="0" smtClean="0">
-                <a:hlinkClick r:id="rId6"/>
-              </a:rPr>
-              <a:t>/</a:t>
-            </a:r>
-            <a:r>
-              <a:rPr lang="en-US" dirty="0" smtClean="0"/>
-              <a:t> - </a:t>
-            </a:r>
-            <a:r>
-              <a:rPr lang="en-US" dirty="0" err="1"/>
-              <a:t>GraphQL</a:t>
-            </a:r>
-            <a:endParaRPr lang="en-US" dirty="0"/>
-          </a:p>
-          <a:p>
-            <a:r>
-              <a:rPr lang="en-US" dirty="0"/>
-              <a:t>APIs</a:t>
-            </a:r>
-          </a:p>
-          <a:p>
-            <a:pPr lvl="1"/>
-            <a:r>
-              <a:rPr lang="en-US" dirty="0">
-                <a:hlinkClick r:id="rId7"/>
-              </a:rPr>
-              <a:t>https://</a:t>
-            </a:r>
-            <a:r>
-              <a:rPr lang="en-US" dirty="0" smtClean="0">
-                <a:hlinkClick r:id="rId7"/>
-              </a:rPr>
-              <a:t>dev.twitter.com/rest/public</a:t>
-            </a:r>
-            <a:r>
-              <a:rPr lang="en-US" dirty="0" smtClean="0"/>
-              <a:t> - </a:t>
-            </a:r>
-            <a:r>
-              <a:rPr lang="en-US" dirty="0"/>
-              <a:t>Twitter REST</a:t>
-            </a:r>
-          </a:p>
-          <a:p>
-            <a:pPr lvl="1"/>
-            <a:r>
-              <a:rPr lang="en-US" dirty="0">
-                <a:hlinkClick r:id="rId8"/>
-              </a:rPr>
-              <a:t>https://developer.github.com/v3</a:t>
-            </a:r>
-            <a:r>
-              <a:rPr lang="en-US" dirty="0" smtClean="0">
-                <a:hlinkClick r:id="rId8"/>
-              </a:rPr>
-              <a:t>/</a:t>
-            </a:r>
-            <a:r>
-              <a:rPr lang="en-US" dirty="0" smtClean="0"/>
-              <a:t> - </a:t>
-            </a:r>
-            <a:r>
-              <a:rPr lang="en-US" dirty="0"/>
-              <a:t>GitHub REST / v4 </a:t>
-            </a:r>
-            <a:r>
-              <a:rPr lang="en-US" dirty="0" err="1"/>
-              <a:t>GraphQL</a:t>
-            </a:r>
-            <a:endParaRPr lang="en-US" dirty="0"/>
-          </a:p>
-          <a:p>
-            <a:pPr lvl="1"/>
-            <a:r>
-              <a:rPr lang="en-US" dirty="0">
-                <a:hlinkClick r:id="rId9"/>
-              </a:rPr>
-              <a:t>https://</a:t>
-            </a:r>
-            <a:r>
-              <a:rPr lang="en-US" dirty="0" smtClean="0">
-                <a:hlinkClick r:id="rId9"/>
-              </a:rPr>
-              <a:t>stripe.com/docs/api</a:t>
-            </a:r>
-            <a:r>
-              <a:rPr lang="en-US" dirty="0" smtClean="0"/>
-              <a:t> - </a:t>
-            </a:r>
-            <a:r>
-              <a:rPr lang="en-US" dirty="0"/>
-              <a:t>Stripe</a:t>
-            </a:r>
-          </a:p>
-          <a:p>
-            <a:pPr lvl="1"/>
-            <a:r>
-              <a:rPr lang="en-US" dirty="0">
-                <a:hlinkClick r:id="rId10"/>
-              </a:rPr>
-              <a:t>https://</a:t>
-            </a:r>
-            <a:r>
-              <a:rPr lang="en-US" dirty="0" smtClean="0">
-                <a:hlinkClick r:id="rId10"/>
-              </a:rPr>
-              <a:t>www.twilio.com/docs/api/rest</a:t>
-            </a:r>
-            <a:r>
-              <a:rPr lang="en-US" dirty="0" smtClean="0"/>
-              <a:t> - Twilio</a:t>
-            </a:r>
-            <a:endParaRPr lang="en-US" dirty="0"/>
-          </a:p>
-        </p:txBody>
-      </p:sp>
-      <p:sp>
-        <p:nvSpPr>
-          <p:cNvPr id="3" name="Title 2"/>
-          <p:cNvSpPr>
-            <a:spLocks noGrp="1"/>
-          </p:cNvSpPr>
-          <p:nvPr>
-            <p:ph type="title"/>
-          </p:nvPr>
-        </p:nvSpPr>
-        <p:spPr/>
-        <p:txBody>
-          <a:bodyPr/>
-          <a:lstStyle/>
-          <a:p>
-            <a:r>
-              <a:rPr lang="en-US" dirty="0" smtClean="0"/>
-              <a:t>Further reading</a:t>
-            </a:r>
-            <a:endParaRPr lang="en-US" dirty="0"/>
-          </a:p>
-        </p:txBody>
-      </p:sp>
-    </p:spTree>
-    <p:extLst>
-      <p:ext uri="{BB962C8B-B14F-4D97-AF65-F5344CB8AC3E}">
-        <p14:creationId xmlns:p14="http://schemas.microsoft.com/office/powerpoint/2010/main" val="4015173728"/>
       </p:ext>
     </p:extLst>
   </p:cSld>
@@ -8534,6 +8693,308 @@
 </file>
 
 <file path=ppt/slides/slide20.xml><?xml version="1.0" encoding="utf-8"?>
+<p:sld xmlns:a="http://schemas.openxmlformats.org/drawingml/2006/main" xmlns:r="http://schemas.openxmlformats.org/officeDocument/2006/relationships" xmlns:p="http://schemas.openxmlformats.org/presentationml/2006/main">
+  <p:cSld>
+    <p:spTree>
+      <p:nvGrpSpPr>
+        <p:cNvPr id="1" name=""/>
+        <p:cNvGrpSpPr/>
+        <p:nvPr/>
+      </p:nvGrpSpPr>
+      <p:grpSpPr>
+        <a:xfrm>
+          <a:off x="0" y="0"/>
+          <a:ext cx="0" cy="0"/>
+          <a:chOff x="0" y="0"/>
+          <a:chExt cx="0" cy="0"/>
+        </a:xfrm>
+      </p:grpSpPr>
+      <p:sp>
+        <p:nvSpPr>
+          <p:cNvPr id="2" name="Text Placeholder 1"/>
+          <p:cNvSpPr>
+            <a:spLocks noGrp="1"/>
+          </p:cNvSpPr>
+          <p:nvPr>
+            <p:ph type="body" sz="quarter" idx="10"/>
+          </p:nvPr>
+        </p:nvSpPr>
+        <p:spPr>
+          <a:xfrm>
+            <a:off x="269239" y="1189177"/>
+            <a:ext cx="11653523" cy="5639364"/>
+          </a:xfrm>
+        </p:spPr>
+        <p:txBody>
+          <a:bodyPr/>
+          <a:lstStyle/>
+          <a:p>
+            <a:r>
+              <a:rPr lang="en-US" dirty="0">
+                <a:hlinkClick r:id="rId2"/>
+              </a:rPr>
+              <a:t>https://</a:t>
+            </a:r>
+            <a:r>
+              <a:rPr lang="en-US" dirty="0" smtClean="0">
+                <a:hlinkClick r:id="rId2"/>
+              </a:rPr>
+              <a:t>github.com/microsoft/api-guidelines</a:t>
+            </a:r>
+            <a:r>
+              <a:rPr lang="en-US" dirty="0" smtClean="0"/>
+              <a:t> </a:t>
+            </a:r>
+            <a:endParaRPr lang="en-US" dirty="0"/>
+          </a:p>
+          <a:p>
+            <a:r>
+              <a:rPr lang="en-US" dirty="0"/>
+              <a:t>Specifications</a:t>
+            </a:r>
+          </a:p>
+          <a:p>
+            <a:pPr lvl="1"/>
+            <a:r>
+              <a:rPr lang="en-US" dirty="0"/>
+              <a:t>HATEOAS – Hypermedia as the Engine of Application State</a:t>
+            </a:r>
+          </a:p>
+          <a:p>
+            <a:pPr lvl="1"/>
+            <a:r>
+              <a:rPr lang="en-US" dirty="0">
+                <a:hlinkClick r:id="rId3"/>
+              </a:rPr>
+              <a:t>https://ionwg.org</a:t>
+            </a:r>
+            <a:r>
+              <a:rPr lang="en-US" dirty="0" smtClean="0">
+                <a:hlinkClick r:id="rId3"/>
+              </a:rPr>
+              <a:t>/</a:t>
+            </a:r>
+            <a:r>
+              <a:rPr lang="en-US" dirty="0" smtClean="0"/>
+              <a:t> - </a:t>
+            </a:r>
+            <a:r>
+              <a:rPr lang="en-US" dirty="0"/>
+              <a:t>The ION Hypermedia Type</a:t>
+            </a:r>
+          </a:p>
+          <a:p>
+            <a:pPr lvl="1"/>
+            <a:r>
+              <a:rPr lang="en-US" dirty="0">
+                <a:hlinkClick r:id="rId4"/>
+              </a:rPr>
+              <a:t>http://jsonapi.org</a:t>
+            </a:r>
+            <a:r>
+              <a:rPr lang="en-US" dirty="0" smtClean="0">
+                <a:hlinkClick r:id="rId4"/>
+              </a:rPr>
+              <a:t>/</a:t>
+            </a:r>
+            <a:r>
+              <a:rPr lang="en-US" dirty="0" smtClean="0"/>
+              <a:t> - </a:t>
+            </a:r>
+            <a:r>
+              <a:rPr lang="en-US" dirty="0"/>
+              <a:t>JSON API Specification</a:t>
+            </a:r>
+          </a:p>
+          <a:p>
+            <a:pPr lvl="1"/>
+            <a:r>
+              <a:rPr lang="en-US" dirty="0">
+                <a:hlinkClick r:id="rId5"/>
+              </a:rPr>
+              <a:t>http://json-schema.org</a:t>
+            </a:r>
+            <a:r>
+              <a:rPr lang="en-US" dirty="0" smtClean="0">
+                <a:hlinkClick r:id="rId5"/>
+              </a:rPr>
+              <a:t>/</a:t>
+            </a:r>
+            <a:r>
+              <a:rPr lang="en-US" dirty="0" smtClean="0"/>
+              <a:t> - </a:t>
+            </a:r>
+            <a:r>
+              <a:rPr lang="en-US" dirty="0"/>
+              <a:t>JSON (Hyper-)Schema...</a:t>
+            </a:r>
+          </a:p>
+          <a:p>
+            <a:pPr lvl="1"/>
+            <a:r>
+              <a:rPr lang="en-US" dirty="0">
+                <a:hlinkClick r:id="rId6"/>
+              </a:rPr>
+              <a:t>http://graphql.org</a:t>
+            </a:r>
+            <a:r>
+              <a:rPr lang="en-US" dirty="0" smtClean="0">
+                <a:hlinkClick r:id="rId6"/>
+              </a:rPr>
+              <a:t>/</a:t>
+            </a:r>
+            <a:r>
+              <a:rPr lang="en-US" dirty="0" smtClean="0"/>
+              <a:t> - </a:t>
+            </a:r>
+            <a:r>
+              <a:rPr lang="en-US" dirty="0" err="1"/>
+              <a:t>GraphQL</a:t>
+            </a:r>
+            <a:endParaRPr lang="en-US" dirty="0"/>
+          </a:p>
+          <a:p>
+            <a:r>
+              <a:rPr lang="en-US" dirty="0"/>
+              <a:t>APIs</a:t>
+            </a:r>
+          </a:p>
+          <a:p>
+            <a:pPr lvl="1"/>
+            <a:r>
+              <a:rPr lang="en-US" dirty="0">
+                <a:hlinkClick r:id="rId7"/>
+              </a:rPr>
+              <a:t>https://</a:t>
+            </a:r>
+            <a:r>
+              <a:rPr lang="en-US" dirty="0" smtClean="0">
+                <a:hlinkClick r:id="rId7"/>
+              </a:rPr>
+              <a:t>dev.twitter.com/rest/public</a:t>
+            </a:r>
+            <a:r>
+              <a:rPr lang="en-US" dirty="0" smtClean="0"/>
+              <a:t> - </a:t>
+            </a:r>
+            <a:r>
+              <a:rPr lang="en-US" dirty="0"/>
+              <a:t>Twitter REST</a:t>
+            </a:r>
+          </a:p>
+          <a:p>
+            <a:pPr lvl="1"/>
+            <a:r>
+              <a:rPr lang="en-US" dirty="0">
+                <a:hlinkClick r:id="rId8"/>
+              </a:rPr>
+              <a:t>https://developer.github.com/v3</a:t>
+            </a:r>
+            <a:r>
+              <a:rPr lang="en-US" dirty="0" smtClean="0">
+                <a:hlinkClick r:id="rId8"/>
+              </a:rPr>
+              <a:t>/</a:t>
+            </a:r>
+            <a:r>
+              <a:rPr lang="en-US" dirty="0" smtClean="0"/>
+              <a:t> - </a:t>
+            </a:r>
+            <a:r>
+              <a:rPr lang="en-US" dirty="0"/>
+              <a:t>GitHub REST / v4 </a:t>
+            </a:r>
+            <a:r>
+              <a:rPr lang="en-US" dirty="0" err="1"/>
+              <a:t>GraphQL</a:t>
+            </a:r>
+            <a:endParaRPr lang="en-US" dirty="0"/>
+          </a:p>
+          <a:p>
+            <a:pPr lvl="1"/>
+            <a:r>
+              <a:rPr lang="en-US" dirty="0">
+                <a:hlinkClick r:id="rId9"/>
+              </a:rPr>
+              <a:t>https://</a:t>
+            </a:r>
+            <a:r>
+              <a:rPr lang="en-US" dirty="0" smtClean="0">
+                <a:hlinkClick r:id="rId9"/>
+              </a:rPr>
+              <a:t>stripe.com/docs/api</a:t>
+            </a:r>
+            <a:r>
+              <a:rPr lang="en-US" dirty="0" smtClean="0"/>
+              <a:t> - </a:t>
+            </a:r>
+            <a:r>
+              <a:rPr lang="en-US" dirty="0"/>
+              <a:t>Stripe</a:t>
+            </a:r>
+          </a:p>
+          <a:p>
+            <a:pPr lvl="1"/>
+            <a:r>
+              <a:rPr lang="en-US" dirty="0">
+                <a:hlinkClick r:id="rId10"/>
+              </a:rPr>
+              <a:t>https://</a:t>
+            </a:r>
+            <a:r>
+              <a:rPr lang="en-US" dirty="0" smtClean="0">
+                <a:hlinkClick r:id="rId10"/>
+              </a:rPr>
+              <a:t>www.twilio.com/docs/api/rest</a:t>
+            </a:r>
+            <a:r>
+              <a:rPr lang="en-US" dirty="0" smtClean="0"/>
+              <a:t> - Twilio</a:t>
+            </a:r>
+            <a:endParaRPr lang="en-US" dirty="0"/>
+          </a:p>
+        </p:txBody>
+      </p:sp>
+      <p:sp>
+        <p:nvSpPr>
+          <p:cNvPr id="3" name="Title 2"/>
+          <p:cNvSpPr>
+            <a:spLocks noGrp="1"/>
+          </p:cNvSpPr>
+          <p:nvPr>
+            <p:ph type="title"/>
+          </p:nvPr>
+        </p:nvSpPr>
+        <p:spPr/>
+        <p:txBody>
+          <a:bodyPr/>
+          <a:lstStyle/>
+          <a:p>
+            <a:r>
+              <a:rPr lang="en-US" dirty="0" smtClean="0"/>
+              <a:t>Further reading</a:t>
+            </a:r>
+            <a:endParaRPr lang="en-US" dirty="0"/>
+          </a:p>
+        </p:txBody>
+      </p:sp>
+    </p:spTree>
+    <p:extLst>
+      <p:ext uri="{BB962C8B-B14F-4D97-AF65-F5344CB8AC3E}">
+        <p14:creationId xmlns:p14="http://schemas.microsoft.com/office/powerpoint/2010/main" val="4015173728"/>
+      </p:ext>
+    </p:extLst>
+  </p:cSld>
+  <p:clrMapOvr>
+    <a:masterClrMapping/>
+  </p:clrMapOvr>
+  <p:transition>
+    <p:fade/>
+  </p:transition>
+</p:sld>
+</file>
+
+<file path=ppt/slides/slide21.xml><?xml version="1.0" encoding="utf-8"?>
 <p:sld xmlns:a="http://schemas.openxmlformats.org/drawingml/2006/main" xmlns:r="http://schemas.openxmlformats.org/officeDocument/2006/relationships" xmlns:p="http://schemas.openxmlformats.org/presentationml/2006/main">
   <p:cSld>
     <p:spTree>
@@ -9309,15 +9770,7 @@
           <a:p>
             <a:r>
               <a:rPr lang="en-US" dirty="0" smtClean="0"/>
-              <a:t>Additional ASP.NET </a:t>
-            </a:r>
-            <a:r>
-              <a:rPr lang="en-US" dirty="0" smtClean="0"/>
-              <a:t>Core Benefits </a:t>
-            </a:r>
-            <a:r>
-              <a:rPr lang="en-US" dirty="0" smtClean="0"/>
-              <a:t>for REST APIs</a:t>
+              <a:t>Additional ASP.NET Core Benefits for REST APIs</a:t>
             </a:r>
             <a:endParaRPr lang="en-US" dirty="0"/>
           </a:p>
@@ -9569,15 +10022,7 @@
           <a:p>
             <a:r>
               <a:rPr lang="en-US" dirty="0" smtClean="0"/>
-              <a:t>Additional ASP.NET </a:t>
-            </a:r>
-            <a:r>
-              <a:rPr lang="en-US" dirty="0" smtClean="0"/>
-              <a:t>Core Benefits </a:t>
-            </a:r>
-            <a:r>
-              <a:rPr lang="en-US" dirty="0" smtClean="0"/>
-              <a:t>for REST APIs</a:t>
+              <a:t>Additional ASP.NET Core Benefits for REST APIs</a:t>
             </a:r>
             <a:endParaRPr lang="en-US" dirty="0"/>
           </a:p>
@@ -10914,6 +11359,24 @@
 </file>
 
 <file path=customXml/item1.xml><?xml version="1.0" encoding="utf-8"?>
+<?mso-contentType ?>
+<FormTemplates xmlns="http://schemas.microsoft.com/sharepoint/v3/contenttype/forms">
+  <Display>DocumentLibraryForm</Display>
+  <Edit>DocumentLibraryForm</Edit>
+  <New>DocumentLibraryForm</New>
+</FormTemplates>
+</file>
+
+<file path=customXml/item2.xml><?xml version="1.0" encoding="utf-8"?>
+<p:properties xmlns:p="http://schemas.microsoft.com/office/2006/metadata/properties" xmlns:xsi="http://www.w3.org/2001/XMLSchema-instance" xmlns:pc="http://schemas.microsoft.com/office/infopath/2007/PartnerControls">
+  <documentManagement>
+    <_ip_UnifiedCompliancePolicyProperties xmlns="http://schemas.microsoft.com/sharepoint/v3" xsi:nil="true"/>
+    <_ip_UnifiedCompliancePolicyUIAction xmlns="http://schemas.microsoft.com/sharepoint/v3" xsi:nil="true"/>
+  </documentManagement>
+</p:properties>
+</file>
+
+<file path=customXml/item3.xml><?xml version="1.0" encoding="utf-8"?>
 <ct:contentTypeSchema xmlns:ct="http://schemas.microsoft.com/office/2006/metadata/contentType" xmlns:ma="http://schemas.microsoft.com/office/2006/metadata/properties/metaAttributes" ct:_="" ma:_="" ma:contentTypeName="Document" ma:contentTypeID="0x01010022F88B0CCF1BBA489747F146E6B5E06D" ma:contentTypeVersion="10" ma:contentTypeDescription="Create a new document." ma:contentTypeScope="" ma:versionID="e1162cc15dbfb914ec52a789942caef8">
   <xsd:schema xmlns:xsd="http://www.w3.org/2001/XMLSchema" xmlns:xs="http://www.w3.org/2001/XMLSchema" xmlns:p="http://schemas.microsoft.com/office/2006/metadata/properties" xmlns:ns1="http://schemas.microsoft.com/sharepoint/v3" xmlns:ns2="569b343d-e775-480b-9b2b-6a6986deb9b0" xmlns:ns3="11245976-3b4d-4794-a754-317688483df2" targetNamespace="http://schemas.microsoft.com/office/2006/metadata/properties" ma:root="true" ma:fieldsID="158813283217a5160f6383901b0d05a5" ns1:_="" ns2:_="" ns3:_="">
     <xsd:import namespace="http://schemas.microsoft.com/sharepoint/v3"/>
@@ -11121,40 +11584,10 @@
 </ct:contentTypeSchema>
 </file>
 
-<file path=customXml/item2.xml><?xml version="1.0" encoding="utf-8"?>
-<p:properties xmlns:p="http://schemas.microsoft.com/office/2006/metadata/properties" xmlns:xsi="http://www.w3.org/2001/XMLSchema-instance" xmlns:pc="http://schemas.microsoft.com/office/infopath/2007/PartnerControls">
-  <documentManagement>
-    <_ip_UnifiedCompliancePolicyProperties xmlns="http://schemas.microsoft.com/sharepoint/v3" xsi:nil="true"/>
-    <_ip_UnifiedCompliancePolicyUIAction xmlns="http://schemas.microsoft.com/sharepoint/v3" xsi:nil="true"/>
-  </documentManagement>
-</p:properties>
-</file>
-
-<file path=customXml/item3.xml><?xml version="1.0" encoding="utf-8"?>
-<?mso-contentType ?>
-<FormTemplates xmlns="http://schemas.microsoft.com/sharepoint/v3/contenttype/forms">
-  <Display>DocumentLibraryForm</Display>
-  <Edit>DocumentLibraryForm</Edit>
-  <New>DocumentLibraryForm</New>
-</FormTemplates>
-</file>
-
 <file path=customXml/itemProps1.xml><?xml version="1.0" encoding="utf-8"?>
-<ds:datastoreItem xmlns:ds="http://schemas.openxmlformats.org/officeDocument/2006/customXml" ds:itemID="{345A321A-8CE3-45D5-9A72-BB0D8FA29E2D}">
+<ds:datastoreItem xmlns:ds="http://schemas.openxmlformats.org/officeDocument/2006/customXml" ds:itemID="{093821A7-5528-48BE-BD00-067FBFDD28D5}">
   <ds:schemaRefs>
-    <ds:schemaRef ds:uri="http://schemas.microsoft.com/office/2006/metadata/contentType"/>
-    <ds:schemaRef ds:uri="http://schemas.microsoft.com/office/2006/metadata/properties/metaAttributes"/>
-    <ds:schemaRef ds:uri="http://www.w3.org/2001/XMLSchema"/>
-    <ds:schemaRef ds:uri="http://schemas.microsoft.com/office/2006/metadata/properties"/>
-    <ds:schemaRef ds:uri="http://schemas.microsoft.com/sharepoint/v3"/>
-    <ds:schemaRef ds:uri="569b343d-e775-480b-9b2b-6a6986deb9b0"/>
-    <ds:schemaRef ds:uri="11245976-3b4d-4794-a754-317688483df2"/>
-    <ds:schemaRef ds:uri="http://schemas.microsoft.com/office/2006/documentManagement/types"/>
-    <ds:schemaRef ds:uri="http://schemas.microsoft.com/office/infopath/2007/PartnerControls"/>
-    <ds:schemaRef ds:uri="http://schemas.openxmlformats.org/package/2006/metadata/core-properties"/>
-    <ds:schemaRef ds:uri="http://purl.org/dc/elements/1.1/"/>
-    <ds:schemaRef ds:uri="http://purl.org/dc/terms/"/>
-    <ds:schemaRef ds:uri="http://schemas.microsoft.com/internal/obd"/>
+    <ds:schemaRef ds:uri="http://schemas.microsoft.com/sharepoint/v3/contenttype/forms"/>
   </ds:schemaRefs>
 </ds:datastoreItem>
 </file>
@@ -11178,9 +11611,21 @@
 </file>
 
 <file path=customXml/itemProps3.xml><?xml version="1.0" encoding="utf-8"?>
-<ds:datastoreItem xmlns:ds="http://schemas.openxmlformats.org/officeDocument/2006/customXml" ds:itemID="{093821A7-5528-48BE-BD00-067FBFDD28D5}">
+<ds:datastoreItem xmlns:ds="http://schemas.openxmlformats.org/officeDocument/2006/customXml" ds:itemID="{345A321A-8CE3-45D5-9A72-BB0D8FA29E2D}">
   <ds:schemaRefs>
-    <ds:schemaRef ds:uri="http://schemas.microsoft.com/sharepoint/v3/contenttype/forms"/>
+    <ds:schemaRef ds:uri="http://schemas.microsoft.com/office/2006/metadata/contentType"/>
+    <ds:schemaRef ds:uri="http://schemas.microsoft.com/office/2006/metadata/properties/metaAttributes"/>
+    <ds:schemaRef ds:uri="http://www.w3.org/2001/XMLSchema"/>
+    <ds:schemaRef ds:uri="http://schemas.microsoft.com/office/2006/metadata/properties"/>
+    <ds:schemaRef ds:uri="http://schemas.microsoft.com/sharepoint/v3"/>
+    <ds:schemaRef ds:uri="569b343d-e775-480b-9b2b-6a6986deb9b0"/>
+    <ds:schemaRef ds:uri="11245976-3b4d-4794-a754-317688483df2"/>
+    <ds:schemaRef ds:uri="http://schemas.microsoft.com/office/2006/documentManagement/types"/>
+    <ds:schemaRef ds:uri="http://schemas.microsoft.com/office/infopath/2007/PartnerControls"/>
+    <ds:schemaRef ds:uri="http://schemas.openxmlformats.org/package/2006/metadata/core-properties"/>
+    <ds:schemaRef ds:uri="http://purl.org/dc/elements/1.1/"/>
+    <ds:schemaRef ds:uri="http://purl.org/dc/terms/"/>
+    <ds:schemaRef ds:uri="http://schemas.microsoft.com/internal/obd"/>
   </ds:schemaRefs>
 </ds:datastoreItem>
 </file>